--- a/okadome/python_tips/python_tips.pptx
+++ b/okadome/python_tips/python_tips.pptx
@@ -12623,8 +12623,8 @@
         </p:nvSpPr>
         <p:spPr bwMode="auto">
           <a:xfrm>
-            <a:off x="4523673" y="5787888"/>
-            <a:ext cx="4610799" cy="830997"/>
+            <a:off x="4523673" y="5664778"/>
+            <a:ext cx="4610799" cy="1077218"/>
           </a:xfrm>
           <a:prstGeom prst="rect">
             <a:avLst/>
@@ -12755,20 +12755,36 @@
               <a:tabLst/>
             </a:pPr>
             <a:r>
-              <a:rPr kumimoji="0" lang="ja-JP" altLang="ja-JP" b="0" i="0" u="none" strike="noStrike" cap="none" normalizeH="0" baseline="0" dirty="0">
-                <a:ln>
-                  <a:noFill/>
-                </a:ln>
+              <a:rPr kumimoji="0" lang="ja-JP" altLang="en-US" sz="1600" dirty="0">
                 <a:solidFill>
                   <a:srgbClr val="000000"/>
                 </a:solidFill>
-                <a:effectLst/>
-                <a:latin typeface="+mn-ea"/>
-                <a:cs typeface="Courier New" panose="02070309020205020404" pitchFamily="49" charset="0"/>
-              </a:rPr>
-              <a:t>numpy配列に変換: 2.2830442637205124 Gbyte</a:t>
-            </a:r>
-            <a:endParaRPr kumimoji="0" lang="en-US" altLang="ja-JP" b="0" i="0" u="none" strike="noStrike" cap="none" normalizeH="0" baseline="0" dirty="0">
+                <a:latin typeface="+mn-ea"/>
+                <a:cs typeface="Courier New" panose="02070309020205020404" pitchFamily="49" charset="0"/>
+              </a:rPr>
+              <a:t>（</a:t>
+            </a:r>
+            <a:r>
+              <a:rPr kumimoji="0" lang="en-US" altLang="ja-JP" sz="1600" dirty="0">
+                <a:solidFill>
+                  <a:srgbClr val="000000"/>
+                </a:solidFill>
+                <a:latin typeface="+mn-ea"/>
+                <a:cs typeface="Courier New" panose="02070309020205020404" pitchFamily="49" charset="0"/>
+              </a:rPr>
+              <a:t>Sparse matrix: </a:t>
+            </a:r>
+            <a:r>
+              <a:rPr kumimoji="0" lang="ja-JP" altLang="en-US" sz="1600" dirty="0">
+                <a:solidFill>
+                  <a:srgbClr val="000000"/>
+                </a:solidFill>
+                <a:latin typeface="+mn-ea"/>
+                <a:cs typeface="Courier New" panose="02070309020205020404" pitchFamily="49" charset="0"/>
+              </a:rPr>
+              <a:t>値のあるインデックスのみの配列）</a:t>
+            </a:r>
+            <a:endParaRPr kumimoji="0" lang="en-US" altLang="ja-JP" sz="1600" b="0" i="0" u="none" strike="noStrike" cap="none" normalizeH="0" baseline="0" dirty="0">
               <a:ln>
                 <a:noFill/>
               </a:ln>
@@ -12798,17 +12814,60 @@
               <a:tabLst/>
             </a:pPr>
             <a:r>
-              <a:rPr kumimoji="0" lang="en-US" altLang="ja-JP" dirty="0">
+              <a:rPr kumimoji="0" lang="ja-JP" altLang="ja-JP" b="0" i="0" u="none" strike="noStrike" cap="none" normalizeH="0" baseline="0" dirty="0">
+                <a:ln>
+                  <a:noFill/>
+                </a:ln>
                 <a:solidFill>
                   <a:srgbClr val="000000"/>
                 </a:solidFill>
+                <a:effectLst/>
+                <a:latin typeface="+mn-ea"/>
+                <a:cs typeface="Courier New" panose="02070309020205020404" pitchFamily="49" charset="0"/>
+              </a:rPr>
+              <a:t>numpy配列に変換: 2.2830442637205124 Gbyte</a:t>
+            </a:r>
+            <a:endParaRPr kumimoji="0" lang="en-US" altLang="ja-JP" b="0" i="0" u="none" strike="noStrike" cap="none" normalizeH="0" baseline="0" dirty="0">
+              <a:ln>
+                <a:noFill/>
+              </a:ln>
+              <a:solidFill>
+                <a:srgbClr val="000000"/>
+              </a:solidFill>
+              <a:effectLst/>
+              <a:latin typeface="+mn-ea"/>
+              <a:cs typeface="Courier New" panose="02070309020205020404" pitchFamily="49" charset="0"/>
+            </a:endParaRPr>
+          </a:p>
+          <a:p>
+            <a:pPr marL="0" marR="0" lvl="0" indent="0" algn="l" defTabSz="914400" rtl="0" eaLnBrk="0" fontAlgn="base" latinLnBrk="0" hangingPunct="0">
+              <a:lnSpc>
+                <a:spcPct val="100000"/>
+              </a:lnSpc>
+              <a:spcBef>
+                <a:spcPct val="0"/>
+              </a:spcBef>
+              <a:spcAft>
+                <a:spcPct val="0"/>
+              </a:spcAft>
+              <a:buClrTx/>
+              <a:buSzTx/>
+              <a:buFontTx/>
+              <a:buNone/>
+              <a:tabLst/>
+            </a:pPr>
+            <a:r>
+              <a:rPr kumimoji="0" lang="en-US" altLang="ja-JP" sz="1600" dirty="0">
+                <a:solidFill>
+                  <a:srgbClr val="000000"/>
+                </a:solidFill>
                 <a:latin typeface="+mn-ea"/>
                 <a:cs typeface="Courier New" panose="02070309020205020404" pitchFamily="49" charset="0"/>
               </a:rPr>
               <a:t>  (</a:t>
             </a:r>
             <a:r>
-              <a:rPr kumimoji="0" lang="en-US" altLang="ja-JP" dirty="0" err="1">
+              <a:rPr kumimoji="0" lang="en-US" altLang="ja-JP" sz="1600" dirty="0" err="1">
                 <a:solidFill>
                   <a:srgbClr val="000000"/>
                 </a:solidFill>
@@ -12818,7 +12877,7 @@
               <a:t>numpy</a:t>
             </a:r>
             <a:r>
-              <a:rPr kumimoji="0" lang="ja-JP" altLang="en-US" dirty="0">
+              <a:rPr kumimoji="0" lang="ja-JP" altLang="en-US" sz="1600" dirty="0">
                 <a:solidFill>
                   <a:srgbClr val="000000"/>
                 </a:solidFill>
@@ -12828,7 +12887,7 @@
               <a:t>配列は</a:t>
             </a:r>
             <a:r>
-              <a:rPr kumimoji="0" lang="en-US" altLang="ja-JP" dirty="0">
+              <a:rPr kumimoji="0" lang="en-US" altLang="ja-JP" sz="1600" dirty="0">
                 <a:solidFill>
                   <a:srgbClr val="000000"/>
                 </a:solidFill>
@@ -12838,7 +12897,7 @@
               <a:t>pandas</a:t>
             </a:r>
             <a:r>
-              <a:rPr kumimoji="0" lang="ja-JP" altLang="en-US" dirty="0">
+              <a:rPr kumimoji="0" lang="ja-JP" altLang="en-US" sz="1600" dirty="0">
                 <a:solidFill>
                   <a:srgbClr val="000000"/>
                 </a:solidFill>
@@ -12848,7 +12907,7 @@
               <a:t>と同じだけのメモリ量</a:t>
             </a:r>
             <a:r>
-              <a:rPr kumimoji="0" lang="en-US" altLang="ja-JP" dirty="0">
+              <a:rPr kumimoji="0" lang="en-US" altLang="ja-JP" sz="1600" dirty="0">
                 <a:solidFill>
                   <a:srgbClr val="000000"/>
                 </a:solidFill>
@@ -12858,7 +12917,7 @@
               <a:t>)</a:t>
             </a:r>
             <a:r>
-              <a:rPr kumimoji="0" lang="ja-JP" altLang="ja-JP" b="0" i="0" u="none" strike="noStrike" cap="none" normalizeH="0" baseline="0" dirty="0">
+              <a:rPr kumimoji="0" lang="ja-JP" altLang="ja-JP" sz="1600" b="0" i="0" u="none" strike="noStrike" cap="none" normalizeH="0" baseline="0" dirty="0">
                 <a:ln>
                   <a:noFill/>
                 </a:ln>
